--- a/C++动态加载文档.pptx
+++ b/C++动态加载文档.pptx
@@ -135,6 +135,9 @@
           </p14:sldIdLst>
         </p14:section>
       </p14:sectionLst>
+    </p:ext>
+    <p:ext uri="{EFAFB233-063F-42B5-8137-9DF3F51BA10A}">
+      <p15:sldGuideLst xmlns:p15="http://schemas.microsoft.com/office/powerpoint/2012/main"/>
     </p:ext>
   </p:extLst>
 </p:presentation>
@@ -6831,13 +6834,27 @@
         </p:nvSpPr>
         <p:spPr/>
         <p:txBody>
-          <a:bodyPr/>
+          <a:bodyPr>
+            <a:normAutofit/>
+          </a:bodyPr>
           <a:lstStyle/>
           <a:p>
             <a:r>
               <a:rPr lang="zh-CN" altLang="en-US" dirty="0" smtClean="0"/>
-              <a:t>问题一：</a:t>
-            </a:r>
+              <a:t>问题一</a:t>
+            </a:r>
+            <a:r>
+              <a:rPr lang="zh-CN" altLang="en-US" dirty="0" smtClean="0"/>
+              <a:t>：</a:t>
+            </a:r>
+            <a:r>
+              <a:rPr lang="zh-CN" altLang="en-US" dirty="0" smtClean="0"/>
+              <a:t>全局变量问题</a:t>
+            </a:r>
+            <a:endParaRPr lang="en-US" altLang="zh-CN" dirty="0" smtClean="0"/>
+          </a:p>
+          <a:p>
+            <a:pPr lvl="1"/>
             <a:r>
               <a:rPr lang="en-US" altLang="zh-CN" dirty="0" smtClean="0"/>
               <a:t>plugin</a:t>

--- a/C++动态加载文档.pptx
+++ b/C++动态加载文档.pptx
@@ -475,7 +475,7 @@
             <a:fld id="{B61BEF0D-F0BB-DE4B-95CE-6DB70DBA9567}" type="datetimeFigureOut">
               <a:rPr lang="en-US" dirty="0"/>
               <a:pPr/>
-              <a:t>3/6/2019</a:t>
+              <a:t>3/19/2019</a:t>
             </a:fld>
             <a:endParaRPr lang="en-US" dirty="0"/>
           </a:p>
@@ -796,7 +796,7 @@
             <a:fld id="{B61BEF0D-F0BB-DE4B-95CE-6DB70DBA9567}" type="datetimeFigureOut">
               <a:rPr lang="en-US" dirty="0"/>
               <a:pPr/>
-              <a:t>3/6/2019</a:t>
+              <a:t>3/19/2019</a:t>
             </a:fld>
             <a:endParaRPr lang="en-US" dirty="0"/>
           </a:p>
@@ -1041,7 +1041,7 @@
             <a:fld id="{B61BEF0D-F0BB-DE4B-95CE-6DB70DBA9567}" type="datetimeFigureOut">
               <a:rPr lang="en-US" dirty="0"/>
               <a:pPr/>
-              <a:t>3/6/2019</a:t>
+              <a:t>3/19/2019</a:t>
             </a:fld>
             <a:endParaRPr lang="en-US" dirty="0"/>
           </a:p>
@@ -1377,7 +1377,7 @@
             <a:fld id="{B61BEF0D-F0BB-DE4B-95CE-6DB70DBA9567}" type="datetimeFigureOut">
               <a:rPr lang="en-US" dirty="0"/>
               <a:pPr/>
-              <a:t>3/6/2019</a:t>
+              <a:t>3/19/2019</a:t>
             </a:fld>
             <a:endParaRPr lang="en-US" dirty="0"/>
           </a:p>
@@ -1721,7 +1721,7 @@
             <a:fld id="{B61BEF0D-F0BB-DE4B-95CE-6DB70DBA9567}" type="datetimeFigureOut">
               <a:rPr lang="en-US" dirty="0"/>
               <a:pPr/>
-              <a:t>3/6/2019</a:t>
+              <a:t>3/19/2019</a:t>
             </a:fld>
             <a:endParaRPr lang="en-US" dirty="0"/>
           </a:p>
@@ -2092,7 +2092,7 @@
             <a:fld id="{B61BEF0D-F0BB-DE4B-95CE-6DB70DBA9567}" type="datetimeFigureOut">
               <a:rPr lang="en-US" dirty="0"/>
               <a:pPr/>
-              <a:t>3/6/2019</a:t>
+              <a:t>3/19/2019</a:t>
             </a:fld>
             <a:endParaRPr lang="en-US" dirty="0"/>
           </a:p>
@@ -2559,7 +2559,7 @@
             <a:fld id="{B61BEF0D-F0BB-DE4B-95CE-6DB70DBA9567}" type="datetimeFigureOut">
               <a:rPr lang="en-US" dirty="0"/>
               <a:pPr/>
-              <a:t>3/6/2019</a:t>
+              <a:t>3/19/2019</a:t>
             </a:fld>
             <a:endParaRPr lang="en-US" dirty="0"/>
           </a:p>
@@ -2761,7 +2761,7 @@
             <a:fld id="{B61BEF0D-F0BB-DE4B-95CE-6DB70DBA9567}" type="datetimeFigureOut">
               <a:rPr lang="en-US" dirty="0"/>
               <a:pPr/>
-              <a:t>3/6/2019</a:t>
+              <a:t>3/19/2019</a:t>
             </a:fld>
             <a:endParaRPr lang="en-US" dirty="0"/>
           </a:p>
@@ -2969,7 +2969,7 @@
             <a:fld id="{B61BEF0D-F0BB-DE4B-95CE-6DB70DBA9567}" type="datetimeFigureOut">
               <a:rPr lang="en-US" dirty="0"/>
               <a:pPr/>
-              <a:t>3/6/2019</a:t>
+              <a:t>3/19/2019</a:t>
             </a:fld>
             <a:endParaRPr lang="en-US" dirty="0"/>
           </a:p>
@@ -3197,7 +3197,7 @@
           <a:p>
             <a:fld id="{52647F38-B617-4D2F-AE0A-013F0C4D2C57}" type="datetimeFigureOut">
               <a:rPr lang="en-US" dirty="0"/>
-              <a:t>3/6/2019</a:t>
+              <a:t>3/19/2019</a:t>
             </a:fld>
             <a:endParaRPr lang="en-US" dirty="0"/>
           </a:p>
@@ -3441,7 +3441,7 @@
             <a:fld id="{B61BEF0D-F0BB-DE4B-95CE-6DB70DBA9567}" type="datetimeFigureOut">
               <a:rPr lang="en-US" dirty="0"/>
               <a:pPr/>
-              <a:t>3/6/2019</a:t>
+              <a:t>3/19/2019</a:t>
             </a:fld>
             <a:endParaRPr lang="en-US" dirty="0"/>
           </a:p>
@@ -3735,7 +3735,7 @@
           <a:p>
             <a:fld id="{05BFA754-D5C3-4E66-96A6-867B257F58DC}" type="datetimeFigureOut">
               <a:rPr lang="en-US" dirty="0"/>
-              <a:t>3/6/2019</a:t>
+              <a:t>3/19/2019</a:t>
             </a:fld>
             <a:endParaRPr lang="en-US" dirty="0"/>
           </a:p>
@@ -4125,7 +4125,7 @@
             <a:fld id="{B61BEF0D-F0BB-DE4B-95CE-6DB70DBA9567}" type="datetimeFigureOut">
               <a:rPr lang="en-US" dirty="0"/>
               <a:pPr/>
-              <a:t>3/6/2019</a:t>
+              <a:t>3/19/2019</a:t>
             </a:fld>
             <a:endParaRPr lang="en-US" dirty="0"/>
           </a:p>
@@ -4271,7 +4271,7 @@
             <a:fld id="{B61BEF0D-F0BB-DE4B-95CE-6DB70DBA9567}" type="datetimeFigureOut">
               <a:rPr lang="en-US" dirty="0"/>
               <a:pPr/>
-              <a:t>3/6/2019</a:t>
+              <a:t>3/19/2019</a:t>
             </a:fld>
             <a:endParaRPr lang="en-US" dirty="0"/>
           </a:p>
@@ -4394,7 +4394,7 @@
             <a:fld id="{B61BEF0D-F0BB-DE4B-95CE-6DB70DBA9567}" type="datetimeFigureOut">
               <a:rPr lang="en-US" dirty="0"/>
               <a:pPr/>
-              <a:t>3/6/2019</a:t>
+              <a:t>3/19/2019</a:t>
             </a:fld>
             <a:endParaRPr lang="en-US" dirty="0"/>
           </a:p>
@@ -4646,7 +4646,7 @@
             <a:fld id="{B61BEF0D-F0BB-DE4B-95CE-6DB70DBA9567}" type="datetimeFigureOut">
               <a:rPr lang="en-US" dirty="0"/>
               <a:pPr/>
-              <a:t>3/6/2019</a:t>
+              <a:t>3/19/2019</a:t>
             </a:fld>
             <a:endParaRPr lang="en-US" dirty="0"/>
           </a:p>
@@ -4958,7 +4958,7 @@
             <a:fld id="{B61BEF0D-F0BB-DE4B-95CE-6DB70DBA9567}" type="datetimeFigureOut">
               <a:rPr lang="en-US" dirty="0"/>
               <a:pPr/>
-              <a:t>3/6/2019</a:t>
+              <a:t>3/19/2019</a:t>
             </a:fld>
             <a:endParaRPr lang="en-US" dirty="0"/>
           </a:p>
@@ -5306,7 +5306,7 @@
             <a:fld id="{B61BEF0D-F0BB-DE4B-95CE-6DB70DBA9567}" type="datetimeFigureOut">
               <a:rPr lang="en-US" dirty="0"/>
               <a:pPr/>
-              <a:t>3/6/2019</a:t>
+              <a:t>3/19/2019</a:t>
             </a:fld>
             <a:endParaRPr lang="en-US" dirty="0"/>
           </a:p>
@@ -5971,10 +5971,76 @@
               <a:t>问题</a:t>
             </a:r>
             <a:r>
-              <a:rPr lang="en-US" altLang="zh-CN" smtClean="0"/>
-              <a:t>2:</a:t>
-            </a:r>
-            <a:endParaRPr lang="zh-CN" altLang="en-US" dirty="0"/>
+              <a:rPr lang="en-US" altLang="zh-CN" dirty="0" smtClean="0"/>
+              <a:t>2:C++</a:t>
+            </a:r>
+            <a:r>
+              <a:rPr lang="zh-CN" altLang="en-US" b="1" dirty="0"/>
+              <a:t>动态库接口函数返回</a:t>
+            </a:r>
+            <a:r>
+              <a:rPr lang="en-US" altLang="zh-CN" b="1" dirty="0" err="1"/>
+              <a:t>stl</a:t>
+            </a:r>
+            <a:r>
+              <a:rPr lang="zh-CN" altLang="en-US" b="1" dirty="0" smtClean="0"/>
+              <a:t>对象可能引起 ‘</a:t>
+            </a:r>
+            <a:r>
+              <a:rPr lang="en-US" altLang="zh-CN" b="1" dirty="0" smtClean="0"/>
+              <a:t>__</a:t>
+            </a:r>
+            <a:r>
+              <a:rPr lang="en-US" altLang="zh-CN" b="1" dirty="0" err="1" smtClean="0"/>
+              <a:t>acrt_first_block</a:t>
+            </a:r>
+            <a:r>
+              <a:rPr lang="en-US" altLang="zh-CN" b="1" dirty="0" smtClean="0"/>
+              <a:t> == header’</a:t>
+            </a:r>
+            <a:r>
+              <a:rPr lang="zh-CN" altLang="en-US" b="1" dirty="0" smtClean="0"/>
+              <a:t>异常</a:t>
+            </a:r>
+            <a:endParaRPr lang="en-US" altLang="zh-CN" b="1" dirty="0" smtClean="0"/>
+          </a:p>
+          <a:p>
+            <a:pPr marL="0" indent="0">
+              <a:buNone/>
+            </a:pPr>
+            <a:r>
+              <a:rPr lang="en-US" altLang="zh-CN" b="1" dirty="0"/>
+              <a:t> </a:t>
+            </a:r>
+            <a:r>
+              <a:rPr lang="en-US" altLang="zh-CN" b="1" dirty="0" smtClean="0"/>
+              <a:t>  </a:t>
+            </a:r>
+            <a:r>
+              <a:rPr lang="zh-CN" altLang="en-US" b="1" dirty="0" smtClean="0"/>
+              <a:t>原因分析可以在这篇博客里找：</a:t>
+            </a:r>
+            <a:endParaRPr lang="en-US" altLang="zh-CN" b="1" dirty="0"/>
+          </a:p>
+          <a:p>
+            <a:pPr marL="0" indent="0">
+              <a:buNone/>
+            </a:pPr>
+            <a:r>
+              <a:rPr lang="en-US" altLang="zh-CN" b="1" smtClean="0"/>
+              <a:t>   https</a:t>
+            </a:r>
+            <a:r>
+              <a:rPr lang="en-US" altLang="zh-CN" b="1" dirty="0"/>
+              <a:t>://blog.csdn.net/10km/article/details/80522287</a:t>
+            </a:r>
+            <a:endParaRPr lang="zh-CN" altLang="en-US" b="1" dirty="0"/>
+          </a:p>
+          <a:p>
+            <a:pPr marL="0" indent="0">
+              <a:buNone/>
+            </a:pPr>
+            <a:endParaRPr lang="en-US" altLang="zh-CN" b="1" dirty="0" smtClean="0"/>
           </a:p>
         </p:txBody>
       </p:sp>
@@ -6841,15 +6907,7 @@
           <a:p>
             <a:r>
               <a:rPr lang="zh-CN" altLang="en-US" dirty="0" smtClean="0"/>
-              <a:t>问题一</a:t>
-            </a:r>
-            <a:r>
-              <a:rPr lang="zh-CN" altLang="en-US" dirty="0" smtClean="0"/>
-              <a:t>：</a:t>
-            </a:r>
-            <a:r>
-              <a:rPr lang="zh-CN" altLang="en-US" dirty="0" smtClean="0"/>
-              <a:t>全局变量问题</a:t>
+              <a:t>问题一：全局变量问题</a:t>
             </a:r>
             <a:endParaRPr lang="en-US" altLang="zh-CN" dirty="0" smtClean="0"/>
           </a:p>
